--- a/fig/intro/table1.pptx
+++ b/fig/intro/table1.pptx
@@ -104,6 +104,11 @@
       </a:defRPr>
     </a:lvl9pPr>
   </p:defaultTextStyle>
+  <p:extLst>
+    <p:ext uri="{EFAFB233-063F-42B5-8137-9DF3F51BA10A}">
+      <p15:sldGuideLst xmlns:p15="http://schemas.microsoft.com/office/powerpoint/2012/main"/>
+    </p:ext>
+  </p:extLst>
 </p:presentation>
 </file>
 
@@ -254,7 +259,7 @@
           <a:p>
             <a:fld id="{152857DB-1738-4665-AAC4-D268FA17EDAC}" type="datetimeFigureOut">
               <a:rPr kumimoji="1" lang="ja-JP" altLang="en-US" smtClean="0"/>
-              <a:t>2021/1/9</a:t>
+              <a:t>2021/1/11</a:t>
             </a:fld>
             <a:endParaRPr kumimoji="1" lang="ja-JP" altLang="en-US"/>
           </a:p>
@@ -484,7 +489,7 @@
           <a:p>
             <a:fld id="{152857DB-1738-4665-AAC4-D268FA17EDAC}" type="datetimeFigureOut">
               <a:rPr kumimoji="1" lang="ja-JP" altLang="en-US" smtClean="0"/>
-              <a:t>2021/1/9</a:t>
+              <a:t>2021/1/11</a:t>
             </a:fld>
             <a:endParaRPr kumimoji="1" lang="ja-JP" altLang="en-US"/>
           </a:p>
@@ -724,7 +729,7 @@
           <a:p>
             <a:fld id="{152857DB-1738-4665-AAC4-D268FA17EDAC}" type="datetimeFigureOut">
               <a:rPr kumimoji="1" lang="ja-JP" altLang="en-US" smtClean="0"/>
-              <a:t>2021/1/9</a:t>
+              <a:t>2021/1/11</a:t>
             </a:fld>
             <a:endParaRPr kumimoji="1" lang="ja-JP" altLang="en-US"/>
           </a:p>
@@ -954,7 +959,7 @@
           <a:p>
             <a:fld id="{152857DB-1738-4665-AAC4-D268FA17EDAC}" type="datetimeFigureOut">
               <a:rPr kumimoji="1" lang="ja-JP" altLang="en-US" smtClean="0"/>
-              <a:t>2021/1/9</a:t>
+              <a:t>2021/1/11</a:t>
             </a:fld>
             <a:endParaRPr kumimoji="1" lang="ja-JP" altLang="en-US"/>
           </a:p>
@@ -1229,7 +1234,7 @@
           <a:p>
             <a:fld id="{152857DB-1738-4665-AAC4-D268FA17EDAC}" type="datetimeFigureOut">
               <a:rPr kumimoji="1" lang="ja-JP" altLang="en-US" smtClean="0"/>
-              <a:t>2021/1/9</a:t>
+              <a:t>2021/1/11</a:t>
             </a:fld>
             <a:endParaRPr kumimoji="1" lang="ja-JP" altLang="en-US"/>
           </a:p>
@@ -1558,7 +1563,7 @@
           <a:p>
             <a:fld id="{152857DB-1738-4665-AAC4-D268FA17EDAC}" type="datetimeFigureOut">
               <a:rPr kumimoji="1" lang="ja-JP" altLang="en-US" smtClean="0"/>
-              <a:t>2021/1/9</a:t>
+              <a:t>2021/1/11</a:t>
             </a:fld>
             <a:endParaRPr kumimoji="1" lang="ja-JP" altLang="en-US"/>
           </a:p>
@@ -2034,7 +2039,7 @@
           <a:p>
             <a:fld id="{152857DB-1738-4665-AAC4-D268FA17EDAC}" type="datetimeFigureOut">
               <a:rPr kumimoji="1" lang="ja-JP" altLang="en-US" smtClean="0"/>
-              <a:t>2021/1/9</a:t>
+              <a:t>2021/1/11</a:t>
             </a:fld>
             <a:endParaRPr kumimoji="1" lang="ja-JP" altLang="en-US"/>
           </a:p>
@@ -2175,7 +2180,7 @@
           <a:p>
             <a:fld id="{152857DB-1738-4665-AAC4-D268FA17EDAC}" type="datetimeFigureOut">
               <a:rPr kumimoji="1" lang="ja-JP" altLang="en-US" smtClean="0"/>
-              <a:t>2021/1/9</a:t>
+              <a:t>2021/1/11</a:t>
             </a:fld>
             <a:endParaRPr kumimoji="1" lang="ja-JP" altLang="en-US"/>
           </a:p>
@@ -2288,7 +2293,7 @@
           <a:p>
             <a:fld id="{152857DB-1738-4665-AAC4-D268FA17EDAC}" type="datetimeFigureOut">
               <a:rPr kumimoji="1" lang="ja-JP" altLang="en-US" smtClean="0"/>
-              <a:t>2021/1/9</a:t>
+              <a:t>2021/1/11</a:t>
             </a:fld>
             <a:endParaRPr kumimoji="1" lang="ja-JP" altLang="en-US"/>
           </a:p>
@@ -2631,7 +2636,7 @@
           <a:p>
             <a:fld id="{152857DB-1738-4665-AAC4-D268FA17EDAC}" type="datetimeFigureOut">
               <a:rPr kumimoji="1" lang="ja-JP" altLang="en-US" smtClean="0"/>
-              <a:t>2021/1/9</a:t>
+              <a:t>2021/1/11</a:t>
             </a:fld>
             <a:endParaRPr kumimoji="1" lang="ja-JP" altLang="en-US"/>
           </a:p>
@@ -2919,7 +2924,7 @@
           <a:p>
             <a:fld id="{152857DB-1738-4665-AAC4-D268FA17EDAC}" type="datetimeFigureOut">
               <a:rPr kumimoji="1" lang="ja-JP" altLang="en-US" smtClean="0"/>
-              <a:t>2021/1/9</a:t>
+              <a:t>2021/1/11</a:t>
             </a:fld>
             <a:endParaRPr kumimoji="1" lang="ja-JP" altLang="en-US"/>
           </a:p>
@@ -3192,7 +3197,7 @@
           <a:p>
             <a:fld id="{152857DB-1738-4665-AAC4-D268FA17EDAC}" type="datetimeFigureOut">
               <a:rPr kumimoji="1" lang="ja-JP" altLang="en-US" smtClean="0"/>
-              <a:t>2021/1/9</a:t>
+              <a:t>2021/1/11</a:t>
             </a:fld>
             <a:endParaRPr kumimoji="1" lang="ja-JP" altLang="en-US"/>
           </a:p>
@@ -3609,941 +3614,6 @@
           <a:chExt cx="0" cy="0"/>
         </a:xfrm>
       </p:grpSpPr>
-      <p:graphicFrame>
-        <p:nvGraphicFramePr>
-          <p:cNvPr id="4" name="表 4">
-            <a:extLst>
-              <a:ext uri="{FF2B5EF4-FFF2-40B4-BE49-F238E27FC236}">
-                <a16:creationId xmlns:a16="http://schemas.microsoft.com/office/drawing/2014/main" id="{6F6B8FCB-3307-440D-875A-757DC0287BD1}"/>
-              </a:ext>
-            </a:extLst>
-          </p:cNvPr>
-          <p:cNvGraphicFramePr>
-            <a:graphicFrameLocks noGrp="1"/>
-          </p:cNvGraphicFramePr>
-          <p:nvPr>
-            <p:extLst>
-              <p:ext uri="{D42A27DB-BD31-4B8C-83A1-F6EECF244321}">
-                <p14:modId xmlns:p14="http://schemas.microsoft.com/office/powerpoint/2010/main" val="160983177"/>
-              </p:ext>
-            </p:extLst>
-          </p:nvPr>
-        </p:nvGraphicFramePr>
-        <p:xfrm>
-          <a:off x="2032000" y="719666"/>
-          <a:ext cx="8128000" cy="1112520"/>
-        </p:xfrm>
-        <a:graphic>
-          <a:graphicData uri="http://schemas.openxmlformats.org/drawingml/2006/table">
-            <a:tbl>
-              <a:tblPr firstRow="1" bandRow="1">
-                <a:tableStyleId>{5C22544A-7EE6-4342-B048-85BDC9FD1C3A}</a:tableStyleId>
-              </a:tblPr>
-              <a:tblGrid>
-                <a:gridCol w="1625600">
-                  <a:extLst>
-                    <a:ext uri="{9D8B030D-6E8A-4147-A177-3AD203B41FA5}">
-                      <a16:colId xmlns:a16="http://schemas.microsoft.com/office/drawing/2014/main" val="3861963662"/>
-                    </a:ext>
-                  </a:extLst>
-                </a:gridCol>
-                <a:gridCol w="1625600">
-                  <a:extLst>
-                    <a:ext uri="{9D8B030D-6E8A-4147-A177-3AD203B41FA5}">
-                      <a16:colId xmlns:a16="http://schemas.microsoft.com/office/drawing/2014/main" val="2399336988"/>
-                    </a:ext>
-                  </a:extLst>
-                </a:gridCol>
-                <a:gridCol w="1625600">
-                  <a:extLst>
-                    <a:ext uri="{9D8B030D-6E8A-4147-A177-3AD203B41FA5}">
-                      <a16:colId xmlns:a16="http://schemas.microsoft.com/office/drawing/2014/main" val="1852157556"/>
-                    </a:ext>
-                  </a:extLst>
-                </a:gridCol>
-                <a:gridCol w="1625600">
-                  <a:extLst>
-                    <a:ext uri="{9D8B030D-6E8A-4147-A177-3AD203B41FA5}">
-                      <a16:colId xmlns:a16="http://schemas.microsoft.com/office/drawing/2014/main" val="858224070"/>
-                    </a:ext>
-                  </a:extLst>
-                </a:gridCol>
-                <a:gridCol w="1625600">
-                  <a:extLst>
-                    <a:ext uri="{9D8B030D-6E8A-4147-A177-3AD203B41FA5}">
-                      <a16:colId xmlns:a16="http://schemas.microsoft.com/office/drawing/2014/main" val="1137605606"/>
-                    </a:ext>
-                  </a:extLst>
-                </a:gridCol>
-              </a:tblGrid>
-              <a:tr h="370840">
-                <a:tc>
-                  <a:txBody>
-                    <a:bodyPr/>
-                    <a:lstStyle/>
-                    <a:p>
-                      <a:endParaRPr kumimoji="1" lang="ja-JP" altLang="en-US"/>
-                    </a:p>
-                  </a:txBody>
-                  <a:tcPr>
-                    <a:lnL w="12700" cap="flat" cmpd="sng" algn="ctr">
-                      <a:solidFill>
-                        <a:schemeClr val="tx1"/>
-                      </a:solidFill>
-                      <a:prstDash val="solid"/>
-                      <a:round/>
-                      <a:headEnd type="none" w="med" len="med"/>
-                      <a:tailEnd type="none" w="med" len="med"/>
-                    </a:lnL>
-                    <a:lnR w="12700" cap="flat" cmpd="sng" algn="ctr">
-                      <a:solidFill>
-                        <a:schemeClr val="tx1"/>
-                      </a:solidFill>
-                      <a:prstDash val="solid"/>
-                      <a:round/>
-                      <a:headEnd type="none" w="med" len="med"/>
-                      <a:tailEnd type="none" w="med" len="med"/>
-                    </a:lnR>
-                    <a:lnT w="12700" cap="flat" cmpd="sng" algn="ctr">
-                      <a:solidFill>
-                        <a:schemeClr val="tx1"/>
-                      </a:solidFill>
-                      <a:prstDash val="solid"/>
-                      <a:round/>
-                      <a:headEnd type="none" w="med" len="med"/>
-                      <a:tailEnd type="none" w="med" len="med"/>
-                    </a:lnT>
-                    <a:lnB w="12700" cap="flat" cmpd="sng" algn="ctr">
-                      <a:solidFill>
-                        <a:schemeClr val="tx1"/>
-                      </a:solidFill>
-                      <a:prstDash val="solid"/>
-                      <a:round/>
-                      <a:headEnd type="none" w="med" len="med"/>
-                      <a:tailEnd type="none" w="med" len="med"/>
-                    </a:lnB>
-                    <a:lnTlToBr w="12700" cmpd="sng">
-                      <a:noFill/>
-                      <a:prstDash val="solid"/>
-                    </a:lnTlToBr>
-                    <a:lnBlToTr w="12700" cmpd="sng">
-                      <a:noFill/>
-                      <a:prstDash val="solid"/>
-                    </a:lnBlToTr>
-                    <a:noFill/>
-                  </a:tcPr>
-                </a:tc>
-                <a:tc>
-                  <a:txBody>
-                    <a:bodyPr/>
-                    <a:lstStyle/>
-                    <a:p>
-                      <a:r>
-                        <a:rPr kumimoji="1" lang="ja-JP" altLang="en-US"/>
-                        <a:t>木</a:t>
-                      </a:r>
-                    </a:p>
-                  </a:txBody>
-                  <a:tcPr>
-                    <a:lnL w="12700" cap="flat" cmpd="sng" algn="ctr">
-                      <a:solidFill>
-                        <a:schemeClr val="tx1"/>
-                      </a:solidFill>
-                      <a:prstDash val="solid"/>
-                      <a:round/>
-                      <a:headEnd type="none" w="med" len="med"/>
-                      <a:tailEnd type="none" w="med" len="med"/>
-                    </a:lnL>
-                    <a:lnR w="12700" cap="flat" cmpd="sng" algn="ctr">
-                      <a:solidFill>
-                        <a:schemeClr val="tx1"/>
-                      </a:solidFill>
-                      <a:prstDash val="solid"/>
-                      <a:round/>
-                      <a:headEnd type="none" w="med" len="med"/>
-                      <a:tailEnd type="none" w="med" len="med"/>
-                    </a:lnR>
-                    <a:lnT w="12700" cap="flat" cmpd="sng" algn="ctr">
-                      <a:solidFill>
-                        <a:schemeClr val="tx1"/>
-                      </a:solidFill>
-                      <a:prstDash val="solid"/>
-                      <a:round/>
-                      <a:headEnd type="none" w="med" len="med"/>
-                      <a:tailEnd type="none" w="med" len="med"/>
-                    </a:lnT>
-                    <a:lnB w="12700" cap="flat" cmpd="sng" algn="ctr">
-                      <a:solidFill>
-                        <a:schemeClr val="tx1"/>
-                      </a:solidFill>
-                      <a:prstDash val="solid"/>
-                      <a:round/>
-                      <a:headEnd type="none" w="med" len="med"/>
-                      <a:tailEnd type="none" w="med" len="med"/>
-                    </a:lnB>
-                    <a:lnTlToBr w="12700" cmpd="sng">
-                      <a:noFill/>
-                      <a:prstDash val="solid"/>
-                    </a:lnTlToBr>
-                    <a:lnBlToTr w="12700" cmpd="sng">
-                      <a:noFill/>
-                      <a:prstDash val="solid"/>
-                    </a:lnBlToTr>
-                    <a:noFill/>
-                  </a:tcPr>
-                </a:tc>
-                <a:tc>
-                  <a:txBody>
-                    <a:bodyPr/>
-                    <a:lstStyle/>
-                    <a:p>
-                      <a:endParaRPr kumimoji="1" lang="ja-JP" altLang="en-US"/>
-                    </a:p>
-                  </a:txBody>
-                  <a:tcPr>
-                    <a:lnL w="12700" cap="flat" cmpd="sng" algn="ctr">
-                      <a:solidFill>
-                        <a:schemeClr val="tx1"/>
-                      </a:solidFill>
-                      <a:prstDash val="solid"/>
-                      <a:round/>
-                      <a:headEnd type="none" w="med" len="med"/>
-                      <a:tailEnd type="none" w="med" len="med"/>
-                    </a:lnL>
-                    <a:lnR w="12700" cap="flat" cmpd="sng" algn="ctr">
-                      <a:solidFill>
-                        <a:schemeClr val="tx1"/>
-                      </a:solidFill>
-                      <a:prstDash val="solid"/>
-                      <a:round/>
-                      <a:headEnd type="none" w="med" len="med"/>
-                      <a:tailEnd type="none" w="med" len="med"/>
-                    </a:lnR>
-                    <a:lnT w="12700" cap="flat" cmpd="sng" algn="ctr">
-                      <a:solidFill>
-                        <a:schemeClr val="tx1"/>
-                      </a:solidFill>
-                      <a:prstDash val="solid"/>
-                      <a:round/>
-                      <a:headEnd type="none" w="med" len="med"/>
-                      <a:tailEnd type="none" w="med" len="med"/>
-                    </a:lnT>
-                    <a:lnB w="12700" cap="flat" cmpd="sng" algn="ctr">
-                      <a:solidFill>
-                        <a:schemeClr val="tx1"/>
-                      </a:solidFill>
-                      <a:prstDash val="solid"/>
-                      <a:round/>
-                      <a:headEnd type="none" w="med" len="med"/>
-                      <a:tailEnd type="none" w="med" len="med"/>
-                    </a:lnB>
-                    <a:lnTlToBr w="12700" cmpd="sng">
-                      <a:noFill/>
-                      <a:prstDash val="solid"/>
-                    </a:lnTlToBr>
-                    <a:lnBlToTr w="12700" cmpd="sng">
-                      <a:noFill/>
-                      <a:prstDash val="solid"/>
-                    </a:lnBlToTr>
-                    <a:noFill/>
-                  </a:tcPr>
-                </a:tc>
-                <a:tc>
-                  <a:txBody>
-                    <a:bodyPr/>
-                    <a:lstStyle/>
-                    <a:p>
-                      <a:endParaRPr kumimoji="1" lang="ja-JP" altLang="en-US"/>
-                    </a:p>
-                  </a:txBody>
-                  <a:tcPr>
-                    <a:lnL w="12700" cap="flat" cmpd="sng" algn="ctr">
-                      <a:solidFill>
-                        <a:schemeClr val="tx1"/>
-                      </a:solidFill>
-                      <a:prstDash val="solid"/>
-                      <a:round/>
-                      <a:headEnd type="none" w="med" len="med"/>
-                      <a:tailEnd type="none" w="med" len="med"/>
-                    </a:lnL>
-                    <a:lnR w="12700" cap="flat" cmpd="sng" algn="ctr">
-                      <a:solidFill>
-                        <a:schemeClr val="tx1"/>
-                      </a:solidFill>
-                      <a:prstDash val="solid"/>
-                      <a:round/>
-                      <a:headEnd type="none" w="med" len="med"/>
-                      <a:tailEnd type="none" w="med" len="med"/>
-                    </a:lnR>
-                    <a:lnT w="12700" cap="flat" cmpd="sng" algn="ctr">
-                      <a:solidFill>
-                        <a:schemeClr val="tx1"/>
-                      </a:solidFill>
-                      <a:prstDash val="solid"/>
-                      <a:round/>
-                      <a:headEnd type="none" w="med" len="med"/>
-                      <a:tailEnd type="none" w="med" len="med"/>
-                    </a:lnT>
-                    <a:lnB w="12700" cap="flat" cmpd="sng" algn="ctr">
-                      <a:solidFill>
-                        <a:schemeClr val="tx1"/>
-                      </a:solidFill>
-                      <a:prstDash val="solid"/>
-                      <a:round/>
-                      <a:headEnd type="none" w="med" len="med"/>
-                      <a:tailEnd type="none" w="med" len="med"/>
-                    </a:lnB>
-                    <a:lnTlToBr w="12700" cmpd="sng">
-                      <a:noFill/>
-                      <a:prstDash val="solid"/>
-                    </a:lnTlToBr>
-                    <a:lnBlToTr w="12700" cmpd="sng">
-                      <a:noFill/>
-                      <a:prstDash val="solid"/>
-                    </a:lnBlToTr>
-                    <a:noFill/>
-                  </a:tcPr>
-                </a:tc>
-                <a:tc>
-                  <a:txBody>
-                    <a:bodyPr/>
-                    <a:lstStyle/>
-                    <a:p>
-                      <a:endParaRPr kumimoji="1" lang="ja-JP" altLang="en-US"/>
-                    </a:p>
-                  </a:txBody>
-                  <a:tcPr>
-                    <a:lnL w="12700" cap="flat" cmpd="sng" algn="ctr">
-                      <a:solidFill>
-                        <a:schemeClr val="tx1"/>
-                      </a:solidFill>
-                      <a:prstDash val="solid"/>
-                      <a:round/>
-                      <a:headEnd type="none" w="med" len="med"/>
-                      <a:tailEnd type="none" w="med" len="med"/>
-                    </a:lnL>
-                    <a:lnR w="12700" cap="flat" cmpd="sng" algn="ctr">
-                      <a:solidFill>
-                        <a:schemeClr val="tx1"/>
-                      </a:solidFill>
-                      <a:prstDash val="solid"/>
-                      <a:round/>
-                      <a:headEnd type="none" w="med" len="med"/>
-                      <a:tailEnd type="none" w="med" len="med"/>
-                    </a:lnR>
-                    <a:lnT w="12700" cap="flat" cmpd="sng" algn="ctr">
-                      <a:solidFill>
-                        <a:schemeClr val="tx1"/>
-                      </a:solidFill>
-                      <a:prstDash val="solid"/>
-                      <a:round/>
-                      <a:headEnd type="none" w="med" len="med"/>
-                      <a:tailEnd type="none" w="med" len="med"/>
-                    </a:lnT>
-                    <a:lnB w="12700" cap="flat" cmpd="sng" algn="ctr">
-                      <a:solidFill>
-                        <a:schemeClr val="tx1"/>
-                      </a:solidFill>
-                      <a:prstDash val="solid"/>
-                      <a:round/>
-                      <a:headEnd type="none" w="med" len="med"/>
-                      <a:tailEnd type="none" w="med" len="med"/>
-                    </a:lnB>
-                    <a:lnTlToBr w="12700" cmpd="sng">
-                      <a:noFill/>
-                      <a:prstDash val="solid"/>
-                    </a:lnTlToBr>
-                    <a:lnBlToTr w="12700" cmpd="sng">
-                      <a:noFill/>
-                      <a:prstDash val="solid"/>
-                    </a:lnBlToTr>
-                    <a:noFill/>
-                  </a:tcPr>
-                </a:tc>
-                <a:extLst>
-                  <a:ext uri="{0D108BD9-81ED-4DB2-BD59-A6C34878D82A}">
-                    <a16:rowId xmlns:a16="http://schemas.microsoft.com/office/drawing/2014/main" val="1945136591"/>
-                  </a:ext>
-                </a:extLst>
-              </a:tr>
-              <a:tr h="370840">
-                <a:tc>
-                  <a:txBody>
-                    <a:bodyPr/>
-                    <a:lstStyle/>
-                    <a:p>
-                      <a:endParaRPr kumimoji="1" lang="ja-JP" altLang="en-US"/>
-                    </a:p>
-                  </a:txBody>
-                  <a:tcPr>
-                    <a:lnL w="12700" cap="flat" cmpd="sng" algn="ctr">
-                      <a:solidFill>
-                        <a:schemeClr val="tx1"/>
-                      </a:solidFill>
-                      <a:prstDash val="solid"/>
-                      <a:round/>
-                      <a:headEnd type="none" w="med" len="med"/>
-                      <a:tailEnd type="none" w="med" len="med"/>
-                    </a:lnL>
-                    <a:lnR w="12700" cap="flat" cmpd="sng" algn="ctr">
-                      <a:solidFill>
-                        <a:schemeClr val="tx1"/>
-                      </a:solidFill>
-                      <a:prstDash val="solid"/>
-                      <a:round/>
-                      <a:headEnd type="none" w="med" len="med"/>
-                      <a:tailEnd type="none" w="med" len="med"/>
-                    </a:lnR>
-                    <a:lnT w="12700" cap="flat" cmpd="sng" algn="ctr">
-                      <a:solidFill>
-                        <a:schemeClr val="tx1"/>
-                      </a:solidFill>
-                      <a:prstDash val="solid"/>
-                      <a:round/>
-                      <a:headEnd type="none" w="med" len="med"/>
-                      <a:tailEnd type="none" w="med" len="med"/>
-                    </a:lnT>
-                    <a:lnB w="12700" cap="flat" cmpd="sng" algn="ctr">
-                      <a:solidFill>
-                        <a:schemeClr val="tx1"/>
-                      </a:solidFill>
-                      <a:prstDash val="solid"/>
-                      <a:round/>
-                      <a:headEnd type="none" w="med" len="med"/>
-                      <a:tailEnd type="none" w="med" len="med"/>
-                    </a:lnB>
-                    <a:lnTlToBr w="12700" cmpd="sng">
-                      <a:noFill/>
-                      <a:prstDash val="solid"/>
-                    </a:lnTlToBr>
-                    <a:lnBlToTr w="12700" cmpd="sng">
-                      <a:noFill/>
-                      <a:prstDash val="solid"/>
-                    </a:lnBlToTr>
-                    <a:noFill/>
-                  </a:tcPr>
-                </a:tc>
-                <a:tc>
-                  <a:txBody>
-                    <a:bodyPr/>
-                    <a:lstStyle/>
-                    <a:p>
-                      <a:endParaRPr kumimoji="1" lang="ja-JP" altLang="en-US" dirty="0"/>
-                    </a:p>
-                  </a:txBody>
-                  <a:tcPr>
-                    <a:lnL w="12700" cap="flat" cmpd="sng" algn="ctr">
-                      <a:solidFill>
-                        <a:schemeClr val="tx1"/>
-                      </a:solidFill>
-                      <a:prstDash val="solid"/>
-                      <a:round/>
-                      <a:headEnd type="none" w="med" len="med"/>
-                      <a:tailEnd type="none" w="med" len="med"/>
-                    </a:lnL>
-                    <a:lnR w="12700" cap="flat" cmpd="sng" algn="ctr">
-                      <a:solidFill>
-                        <a:schemeClr val="tx1"/>
-                      </a:solidFill>
-                      <a:prstDash val="solid"/>
-                      <a:round/>
-                      <a:headEnd type="none" w="med" len="med"/>
-                      <a:tailEnd type="none" w="med" len="med"/>
-                    </a:lnR>
-                    <a:lnT w="12700" cap="flat" cmpd="sng" algn="ctr">
-                      <a:solidFill>
-                        <a:schemeClr val="tx1"/>
-                      </a:solidFill>
-                      <a:prstDash val="solid"/>
-                      <a:round/>
-                      <a:headEnd type="none" w="med" len="med"/>
-                      <a:tailEnd type="none" w="med" len="med"/>
-                    </a:lnT>
-                    <a:lnB w="12700" cap="flat" cmpd="sng" algn="ctr">
-                      <a:solidFill>
-                        <a:schemeClr val="tx1"/>
-                      </a:solidFill>
-                      <a:prstDash val="solid"/>
-                      <a:round/>
-                      <a:headEnd type="none" w="med" len="med"/>
-                      <a:tailEnd type="none" w="med" len="med"/>
-                    </a:lnB>
-                    <a:lnTlToBr w="12700" cmpd="sng">
-                      <a:noFill/>
-                      <a:prstDash val="solid"/>
-                    </a:lnTlToBr>
-                    <a:lnBlToTr w="12700" cmpd="sng">
-                      <a:noFill/>
-                      <a:prstDash val="solid"/>
-                    </a:lnBlToTr>
-                    <a:noFill/>
-                  </a:tcPr>
-                </a:tc>
-                <a:tc>
-                  <a:txBody>
-                    <a:bodyPr/>
-                    <a:lstStyle/>
-                    <a:p>
-                      <a:endParaRPr kumimoji="1" lang="ja-JP" altLang="en-US"/>
-                    </a:p>
-                  </a:txBody>
-                  <a:tcPr>
-                    <a:lnL w="12700" cap="flat" cmpd="sng" algn="ctr">
-                      <a:solidFill>
-                        <a:schemeClr val="tx1"/>
-                      </a:solidFill>
-                      <a:prstDash val="solid"/>
-                      <a:round/>
-                      <a:headEnd type="none" w="med" len="med"/>
-                      <a:tailEnd type="none" w="med" len="med"/>
-                    </a:lnL>
-                    <a:lnR w="12700" cap="flat" cmpd="sng" algn="ctr">
-                      <a:solidFill>
-                        <a:schemeClr val="tx1"/>
-                      </a:solidFill>
-                      <a:prstDash val="solid"/>
-                      <a:round/>
-                      <a:headEnd type="none" w="med" len="med"/>
-                      <a:tailEnd type="none" w="med" len="med"/>
-                    </a:lnR>
-                    <a:lnT w="12700" cap="flat" cmpd="sng" algn="ctr">
-                      <a:solidFill>
-                        <a:schemeClr val="tx1"/>
-                      </a:solidFill>
-                      <a:prstDash val="solid"/>
-                      <a:round/>
-                      <a:headEnd type="none" w="med" len="med"/>
-                      <a:tailEnd type="none" w="med" len="med"/>
-                    </a:lnT>
-                    <a:lnB w="12700" cap="flat" cmpd="sng" algn="ctr">
-                      <a:solidFill>
-                        <a:schemeClr val="tx1"/>
-                      </a:solidFill>
-                      <a:prstDash val="solid"/>
-                      <a:round/>
-                      <a:headEnd type="none" w="med" len="med"/>
-                      <a:tailEnd type="none" w="med" len="med"/>
-                    </a:lnB>
-                    <a:lnTlToBr w="12700" cmpd="sng">
-                      <a:noFill/>
-                      <a:prstDash val="solid"/>
-                    </a:lnTlToBr>
-                    <a:lnBlToTr w="12700" cmpd="sng">
-                      <a:noFill/>
-                      <a:prstDash val="solid"/>
-                    </a:lnBlToTr>
-                    <a:noFill/>
-                  </a:tcPr>
-                </a:tc>
-                <a:tc>
-                  <a:txBody>
-                    <a:bodyPr/>
-                    <a:lstStyle/>
-                    <a:p>
-                      <a:endParaRPr kumimoji="1" lang="ja-JP" altLang="en-US"/>
-                    </a:p>
-                  </a:txBody>
-                  <a:tcPr>
-                    <a:lnL w="12700" cap="flat" cmpd="sng" algn="ctr">
-                      <a:solidFill>
-                        <a:schemeClr val="tx1"/>
-                      </a:solidFill>
-                      <a:prstDash val="solid"/>
-                      <a:round/>
-                      <a:headEnd type="none" w="med" len="med"/>
-                      <a:tailEnd type="none" w="med" len="med"/>
-                    </a:lnL>
-                    <a:lnR w="12700" cap="flat" cmpd="sng" algn="ctr">
-                      <a:solidFill>
-                        <a:schemeClr val="tx1"/>
-                      </a:solidFill>
-                      <a:prstDash val="solid"/>
-                      <a:round/>
-                      <a:headEnd type="none" w="med" len="med"/>
-                      <a:tailEnd type="none" w="med" len="med"/>
-                    </a:lnR>
-                    <a:lnT w="12700" cap="flat" cmpd="sng" algn="ctr">
-                      <a:solidFill>
-                        <a:schemeClr val="tx1"/>
-                      </a:solidFill>
-                      <a:prstDash val="solid"/>
-                      <a:round/>
-                      <a:headEnd type="none" w="med" len="med"/>
-                      <a:tailEnd type="none" w="med" len="med"/>
-                    </a:lnT>
-                    <a:lnB w="12700" cap="flat" cmpd="sng" algn="ctr">
-                      <a:solidFill>
-                        <a:schemeClr val="tx1"/>
-                      </a:solidFill>
-                      <a:prstDash val="solid"/>
-                      <a:round/>
-                      <a:headEnd type="none" w="med" len="med"/>
-                      <a:tailEnd type="none" w="med" len="med"/>
-                    </a:lnB>
-                    <a:lnTlToBr w="12700" cmpd="sng">
-                      <a:noFill/>
-                      <a:prstDash val="solid"/>
-                    </a:lnTlToBr>
-                    <a:lnBlToTr w="12700" cmpd="sng">
-                      <a:noFill/>
-                      <a:prstDash val="solid"/>
-                    </a:lnBlToTr>
-                    <a:noFill/>
-                  </a:tcPr>
-                </a:tc>
-                <a:tc>
-                  <a:txBody>
-                    <a:bodyPr/>
-                    <a:lstStyle/>
-                    <a:p>
-                      <a:endParaRPr kumimoji="1" lang="ja-JP" altLang="en-US"/>
-                    </a:p>
-                  </a:txBody>
-                  <a:tcPr>
-                    <a:lnL w="12700" cap="flat" cmpd="sng" algn="ctr">
-                      <a:solidFill>
-                        <a:schemeClr val="tx1"/>
-                      </a:solidFill>
-                      <a:prstDash val="solid"/>
-                      <a:round/>
-                      <a:headEnd type="none" w="med" len="med"/>
-                      <a:tailEnd type="none" w="med" len="med"/>
-                    </a:lnL>
-                    <a:lnR w="12700" cap="flat" cmpd="sng" algn="ctr">
-                      <a:solidFill>
-                        <a:schemeClr val="tx1"/>
-                      </a:solidFill>
-                      <a:prstDash val="solid"/>
-                      <a:round/>
-                      <a:headEnd type="none" w="med" len="med"/>
-                      <a:tailEnd type="none" w="med" len="med"/>
-                    </a:lnR>
-                    <a:lnT w="12700" cap="flat" cmpd="sng" algn="ctr">
-                      <a:solidFill>
-                        <a:schemeClr val="tx1"/>
-                      </a:solidFill>
-                      <a:prstDash val="solid"/>
-                      <a:round/>
-                      <a:headEnd type="none" w="med" len="med"/>
-                      <a:tailEnd type="none" w="med" len="med"/>
-                    </a:lnT>
-                    <a:lnB w="12700" cap="flat" cmpd="sng" algn="ctr">
-                      <a:solidFill>
-                        <a:schemeClr val="tx1"/>
-                      </a:solidFill>
-                      <a:prstDash val="solid"/>
-                      <a:round/>
-                      <a:headEnd type="none" w="med" len="med"/>
-                      <a:tailEnd type="none" w="med" len="med"/>
-                    </a:lnB>
-                    <a:lnTlToBr w="12700" cmpd="sng">
-                      <a:noFill/>
-                      <a:prstDash val="solid"/>
-                    </a:lnTlToBr>
-                    <a:lnBlToTr w="12700" cmpd="sng">
-                      <a:noFill/>
-                      <a:prstDash val="solid"/>
-                    </a:lnBlToTr>
-                    <a:noFill/>
-                  </a:tcPr>
-                </a:tc>
-                <a:extLst>
-                  <a:ext uri="{0D108BD9-81ED-4DB2-BD59-A6C34878D82A}">
-                    <a16:rowId xmlns:a16="http://schemas.microsoft.com/office/drawing/2014/main" val="341640972"/>
-                  </a:ext>
-                </a:extLst>
-              </a:tr>
-              <a:tr h="370840">
-                <a:tc>
-                  <a:txBody>
-                    <a:bodyPr/>
-                    <a:lstStyle/>
-                    <a:p>
-                      <a:endParaRPr kumimoji="1" lang="ja-JP" altLang="en-US"/>
-                    </a:p>
-                  </a:txBody>
-                  <a:tcPr>
-                    <a:lnL w="12700" cap="flat" cmpd="sng" algn="ctr">
-                      <a:solidFill>
-                        <a:schemeClr val="tx1"/>
-                      </a:solidFill>
-                      <a:prstDash val="solid"/>
-                      <a:round/>
-                      <a:headEnd type="none" w="med" len="med"/>
-                      <a:tailEnd type="none" w="med" len="med"/>
-                    </a:lnL>
-                    <a:lnR w="12700" cap="flat" cmpd="sng" algn="ctr">
-                      <a:solidFill>
-                        <a:schemeClr val="tx1"/>
-                      </a:solidFill>
-                      <a:prstDash val="solid"/>
-                      <a:round/>
-                      <a:headEnd type="none" w="med" len="med"/>
-                      <a:tailEnd type="none" w="med" len="med"/>
-                    </a:lnR>
-                    <a:lnT w="12700" cap="flat" cmpd="sng" algn="ctr">
-                      <a:solidFill>
-                        <a:schemeClr val="tx1"/>
-                      </a:solidFill>
-                      <a:prstDash val="solid"/>
-                      <a:round/>
-                      <a:headEnd type="none" w="med" len="med"/>
-                      <a:tailEnd type="none" w="med" len="med"/>
-                    </a:lnT>
-                    <a:lnB w="12700" cap="flat" cmpd="sng" algn="ctr">
-                      <a:solidFill>
-                        <a:schemeClr val="tx1"/>
-                      </a:solidFill>
-                      <a:prstDash val="solid"/>
-                      <a:round/>
-                      <a:headEnd type="none" w="med" len="med"/>
-                      <a:tailEnd type="none" w="med" len="med"/>
-                    </a:lnB>
-                    <a:lnTlToBr w="12700" cmpd="sng">
-                      <a:noFill/>
-                      <a:prstDash val="solid"/>
-                    </a:lnTlToBr>
-                    <a:lnBlToTr w="12700" cmpd="sng">
-                      <a:noFill/>
-                      <a:prstDash val="solid"/>
-                    </a:lnBlToTr>
-                    <a:noFill/>
-                  </a:tcPr>
-                </a:tc>
-                <a:tc>
-                  <a:txBody>
-                    <a:bodyPr/>
-                    <a:lstStyle/>
-                    <a:p>
-                      <a:endParaRPr kumimoji="1" lang="ja-JP" altLang="en-US"/>
-                    </a:p>
-                  </a:txBody>
-                  <a:tcPr>
-                    <a:lnL w="12700" cap="flat" cmpd="sng" algn="ctr">
-                      <a:solidFill>
-                        <a:schemeClr val="tx1"/>
-                      </a:solidFill>
-                      <a:prstDash val="solid"/>
-                      <a:round/>
-                      <a:headEnd type="none" w="med" len="med"/>
-                      <a:tailEnd type="none" w="med" len="med"/>
-                    </a:lnL>
-                    <a:lnR w="12700" cap="flat" cmpd="sng" algn="ctr">
-                      <a:solidFill>
-                        <a:schemeClr val="tx1"/>
-                      </a:solidFill>
-                      <a:prstDash val="solid"/>
-                      <a:round/>
-                      <a:headEnd type="none" w="med" len="med"/>
-                      <a:tailEnd type="none" w="med" len="med"/>
-                    </a:lnR>
-                    <a:lnT w="12700" cap="flat" cmpd="sng" algn="ctr">
-                      <a:solidFill>
-                        <a:schemeClr val="tx1"/>
-                      </a:solidFill>
-                      <a:prstDash val="solid"/>
-                      <a:round/>
-                      <a:headEnd type="none" w="med" len="med"/>
-                      <a:tailEnd type="none" w="med" len="med"/>
-                    </a:lnT>
-                    <a:lnB w="12700" cap="flat" cmpd="sng" algn="ctr">
-                      <a:solidFill>
-                        <a:schemeClr val="tx1"/>
-                      </a:solidFill>
-                      <a:prstDash val="solid"/>
-                      <a:round/>
-                      <a:headEnd type="none" w="med" len="med"/>
-                      <a:tailEnd type="none" w="med" len="med"/>
-                    </a:lnB>
-                    <a:lnTlToBr w="12700" cmpd="sng">
-                      <a:noFill/>
-                      <a:prstDash val="solid"/>
-                    </a:lnTlToBr>
-                    <a:lnBlToTr w="12700" cmpd="sng">
-                      <a:noFill/>
-                      <a:prstDash val="solid"/>
-                    </a:lnBlToTr>
-                    <a:noFill/>
-                  </a:tcPr>
-                </a:tc>
-                <a:tc>
-                  <a:txBody>
-                    <a:bodyPr/>
-                    <a:lstStyle/>
-                    <a:p>
-                      <a:endParaRPr kumimoji="1" lang="ja-JP" altLang="en-US"/>
-                    </a:p>
-                  </a:txBody>
-                  <a:tcPr>
-                    <a:lnL w="12700" cap="flat" cmpd="sng" algn="ctr">
-                      <a:solidFill>
-                        <a:schemeClr val="tx1"/>
-                      </a:solidFill>
-                      <a:prstDash val="solid"/>
-                      <a:round/>
-                      <a:headEnd type="none" w="med" len="med"/>
-                      <a:tailEnd type="none" w="med" len="med"/>
-                    </a:lnL>
-                    <a:lnR w="12700" cap="flat" cmpd="sng" algn="ctr">
-                      <a:solidFill>
-                        <a:schemeClr val="tx1"/>
-                      </a:solidFill>
-                      <a:prstDash val="solid"/>
-                      <a:round/>
-                      <a:headEnd type="none" w="med" len="med"/>
-                      <a:tailEnd type="none" w="med" len="med"/>
-                    </a:lnR>
-                    <a:lnT w="12700" cap="flat" cmpd="sng" algn="ctr">
-                      <a:solidFill>
-                        <a:schemeClr val="tx1"/>
-                      </a:solidFill>
-                      <a:prstDash val="solid"/>
-                      <a:round/>
-                      <a:headEnd type="none" w="med" len="med"/>
-                      <a:tailEnd type="none" w="med" len="med"/>
-                    </a:lnT>
-                    <a:lnB w="12700" cap="flat" cmpd="sng" algn="ctr">
-                      <a:solidFill>
-                        <a:schemeClr val="tx1"/>
-                      </a:solidFill>
-                      <a:prstDash val="solid"/>
-                      <a:round/>
-                      <a:headEnd type="none" w="med" len="med"/>
-                      <a:tailEnd type="none" w="med" len="med"/>
-                    </a:lnB>
-                    <a:lnTlToBr w="12700" cmpd="sng">
-                      <a:noFill/>
-                      <a:prstDash val="solid"/>
-                    </a:lnTlToBr>
-                    <a:lnBlToTr w="12700" cmpd="sng">
-                      <a:noFill/>
-                      <a:prstDash val="solid"/>
-                    </a:lnBlToTr>
-                    <a:noFill/>
-                  </a:tcPr>
-                </a:tc>
-                <a:tc>
-                  <a:txBody>
-                    <a:bodyPr/>
-                    <a:lstStyle/>
-                    <a:p>
-                      <a:endParaRPr kumimoji="1" lang="ja-JP" altLang="en-US"/>
-                    </a:p>
-                  </a:txBody>
-                  <a:tcPr>
-                    <a:lnL w="12700" cap="flat" cmpd="sng" algn="ctr">
-                      <a:solidFill>
-                        <a:schemeClr val="tx1"/>
-                      </a:solidFill>
-                      <a:prstDash val="solid"/>
-                      <a:round/>
-                      <a:headEnd type="none" w="med" len="med"/>
-                      <a:tailEnd type="none" w="med" len="med"/>
-                    </a:lnL>
-                    <a:lnR w="12700" cap="flat" cmpd="sng" algn="ctr">
-                      <a:solidFill>
-                        <a:schemeClr val="tx1"/>
-                      </a:solidFill>
-                      <a:prstDash val="solid"/>
-                      <a:round/>
-                      <a:headEnd type="none" w="med" len="med"/>
-                      <a:tailEnd type="none" w="med" len="med"/>
-                    </a:lnR>
-                    <a:lnT w="12700" cap="flat" cmpd="sng" algn="ctr">
-                      <a:solidFill>
-                        <a:schemeClr val="tx1"/>
-                      </a:solidFill>
-                      <a:prstDash val="solid"/>
-                      <a:round/>
-                      <a:headEnd type="none" w="med" len="med"/>
-                      <a:tailEnd type="none" w="med" len="med"/>
-                    </a:lnT>
-                    <a:lnB w="12700" cap="flat" cmpd="sng" algn="ctr">
-                      <a:solidFill>
-                        <a:schemeClr val="tx1"/>
-                      </a:solidFill>
-                      <a:prstDash val="solid"/>
-                      <a:round/>
-                      <a:headEnd type="none" w="med" len="med"/>
-                      <a:tailEnd type="none" w="med" len="med"/>
-                    </a:lnB>
-                    <a:lnTlToBr w="12700" cmpd="sng">
-                      <a:noFill/>
-                      <a:prstDash val="solid"/>
-                    </a:lnTlToBr>
-                    <a:lnBlToTr w="12700" cmpd="sng">
-                      <a:noFill/>
-                      <a:prstDash val="solid"/>
-                    </a:lnBlToTr>
-                    <a:noFill/>
-                  </a:tcPr>
-                </a:tc>
-                <a:tc>
-                  <a:txBody>
-                    <a:bodyPr/>
-                    <a:lstStyle/>
-                    <a:p>
-                      <a:endParaRPr kumimoji="1" lang="ja-JP" altLang="en-US" dirty="0"/>
-                    </a:p>
-                  </a:txBody>
-                  <a:tcPr>
-                    <a:lnL w="12700" cap="flat" cmpd="sng" algn="ctr">
-                      <a:solidFill>
-                        <a:schemeClr val="tx1"/>
-                      </a:solidFill>
-                      <a:prstDash val="solid"/>
-                      <a:round/>
-                      <a:headEnd type="none" w="med" len="med"/>
-                      <a:tailEnd type="none" w="med" len="med"/>
-                    </a:lnL>
-                    <a:lnR w="12700" cap="flat" cmpd="sng" algn="ctr">
-                      <a:solidFill>
-                        <a:schemeClr val="tx1"/>
-                      </a:solidFill>
-                      <a:prstDash val="solid"/>
-                      <a:round/>
-                      <a:headEnd type="none" w="med" len="med"/>
-                      <a:tailEnd type="none" w="med" len="med"/>
-                    </a:lnR>
-                    <a:lnT w="12700" cap="flat" cmpd="sng" algn="ctr">
-                      <a:solidFill>
-                        <a:schemeClr val="tx1"/>
-                      </a:solidFill>
-                      <a:prstDash val="solid"/>
-                      <a:round/>
-                      <a:headEnd type="none" w="med" len="med"/>
-                      <a:tailEnd type="none" w="med" len="med"/>
-                    </a:lnT>
-                    <a:lnB w="12700" cap="flat" cmpd="sng" algn="ctr">
-                      <a:solidFill>
-                        <a:schemeClr val="tx1"/>
-                      </a:solidFill>
-                      <a:prstDash val="solid"/>
-                      <a:round/>
-                      <a:headEnd type="none" w="med" len="med"/>
-                      <a:tailEnd type="none" w="med" len="med"/>
-                    </a:lnB>
-                    <a:lnTlToBr w="12700" cmpd="sng">
-                      <a:noFill/>
-                      <a:prstDash val="solid"/>
-                    </a:lnTlToBr>
-                    <a:lnBlToTr w="12700" cmpd="sng">
-                      <a:noFill/>
-                      <a:prstDash val="solid"/>
-                    </a:lnBlToTr>
-                    <a:noFill/>
-                  </a:tcPr>
-                </a:tc>
-                <a:extLst>
-                  <a:ext uri="{0D108BD9-81ED-4DB2-BD59-A6C34878D82A}">
-                    <a16:rowId xmlns:a16="http://schemas.microsoft.com/office/drawing/2014/main" val="2694724221"/>
-                  </a:ext>
-                </a:extLst>
-              </a:tr>
-            </a:tbl>
-          </a:graphicData>
-        </a:graphic>
-      </p:graphicFrame>
     </p:spTree>
     <p:extLst>
       <p:ext uri="{BB962C8B-B14F-4D97-AF65-F5344CB8AC3E}">
